--- a/Mini Project 1/Mini Project 1.pptx
+++ b/Mini Project 1/Mini Project 1.pptx
@@ -127,16 +127,32 @@
 </p:presentation>
 </file>
 
-<file path=ppt/revisionInfo.xml><?xml version="1.0" encoding="utf-8"?>
-<p1510:revInfo xmlns:a="http://schemas.openxmlformats.org/drawingml/2006/main" xmlns:r="http://schemas.openxmlformats.org/officeDocument/2006/relationships" xmlns:p1510="http://schemas.microsoft.com/office/powerpoint/2015/10/main">
-  <p1510:revLst>
-    <p1510:client id="{61FF8EFF-97D5-46EC-ABEF-8093A8F29623}" v="22" dt="2021-02-05T22:04:53.226"/>
-  </p1510:revLst>
-</p1510:revInfo>
-</file>
-
 <file path=ppt/changesInfos/changesInfo1.xml><?xml version="1.0" encoding="utf-8"?>
 <pc:chgInfo xmlns:a="http://schemas.openxmlformats.org/drawingml/2006/main" xmlns:r="http://schemas.openxmlformats.org/officeDocument/2006/relationships" xmlns:ac="http://schemas.microsoft.com/office/drawing/2013/main/command" xmlns:pc="http://schemas.microsoft.com/office/powerpoint/2013/main/command">
+  <pc:docChgLst>
+    <pc:chgData name="David Muwandi" userId="619f6555fc963e78" providerId="LiveId" clId="{BA86043E-D845-47BB-BBDD-AFB104A4555D}"/>
+    <pc:docChg chg="custSel modSld">
+      <pc:chgData name="David Muwandi" userId="619f6555fc963e78" providerId="LiveId" clId="{BA86043E-D845-47BB-BBDD-AFB104A4555D}" dt="2021-04-11T04:54:13.190" v="34" actId="20577"/>
+      <pc:docMkLst>
+        <pc:docMk/>
+      </pc:docMkLst>
+      <pc:sldChg chg="modSp mod">
+        <pc:chgData name="David Muwandi" userId="619f6555fc963e78" providerId="LiveId" clId="{BA86043E-D845-47BB-BBDD-AFB104A4555D}" dt="2021-04-11T04:54:13.190" v="34" actId="20577"/>
+        <pc:sldMkLst>
+          <pc:docMk/>
+          <pc:sldMk cId="193143965" sldId="298"/>
+        </pc:sldMkLst>
+        <pc:spChg chg="mod">
+          <ac:chgData name="David Muwandi" userId="619f6555fc963e78" providerId="LiveId" clId="{BA86043E-D845-47BB-BBDD-AFB104A4555D}" dt="2021-04-11T04:54:13.190" v="34" actId="20577"/>
+          <ac:spMkLst>
+            <pc:docMk/>
+            <pc:sldMk cId="193143965" sldId="298"/>
+            <ac:spMk id="2" creationId="{9AB2EA78-AEB3-469B-9025-3B17201A457B}"/>
+          </ac:spMkLst>
+        </pc:spChg>
+      </pc:sldChg>
+    </pc:docChg>
+  </pc:docChgLst>
   <pc:docChgLst>
     <pc:chgData name="David Muwandi" userId="619f6555fc963e78" providerId="LiveId" clId="{61FF8EFF-97D5-46EC-ABEF-8093A8F29623}"/>
     <pc:docChg chg="undo custSel mod addSld delSld modSld sldOrd">
@@ -1224,7 +1240,7 @@
           <a:p>
             <a:fld id="{9184DA70-C731-4C70-880D-CCD4705E623C}" type="datetime1">
               <a:rPr lang="en-US" smtClean="0"/>
-              <a:t>2/5/2021</a:t>
+              <a:t>4/11/2021</a:t>
             </a:fld>
             <a:endParaRPr lang="en-US" dirty="0"/>
           </a:p>
@@ -1412,7 +1428,7 @@
           <a:p>
             <a:fld id="{4BE1D723-8F53-4F53-90B0-1982A396982E}" type="datetime1">
               <a:rPr lang="en-US" smtClean="0"/>
-              <a:t>2/5/2021</a:t>
+              <a:t>4/11/2021</a:t>
             </a:fld>
             <a:endParaRPr lang="en-US" dirty="0"/>
           </a:p>
@@ -1785,7 +1801,7 @@
           <a:p>
             <a:fld id="{97669AF7-7BEB-44E4-9852-375E34362B5B}" type="datetime1">
               <a:rPr lang="en-US" smtClean="0"/>
-              <a:t>2/5/2021</a:t>
+              <a:t>4/11/2021</a:t>
             </a:fld>
             <a:endParaRPr lang="en-US" dirty="0"/>
           </a:p>
@@ -2040,7 +2056,7 @@
           <a:p>
             <a:fld id="{BAAAC38D-0552-4C82-B593-E6124DFADBE2}" type="datetime1">
               <a:rPr lang="en-US" smtClean="0"/>
-              <a:t>2/5/2021</a:t>
+              <a:t>4/11/2021</a:t>
             </a:fld>
             <a:endParaRPr lang="en-US" dirty="0"/>
           </a:p>
@@ -2437,7 +2453,7 @@
           <a:p>
             <a:fld id="{D9DF0F1C-5577-4ACB-BB62-DF8F3C494C7E}" type="datetime1">
               <a:rPr lang="en-US" smtClean="0"/>
-              <a:t>2/5/2021</a:t>
+              <a:t>4/11/2021</a:t>
             </a:fld>
             <a:endParaRPr lang="en-US" dirty="0"/>
           </a:p>
@@ -2573,7 +2589,7 @@
           <a:p>
             <a:fld id="{1775B394-D9F9-4F0C-B15D-605F45CB9E9F}" type="datetime1">
               <a:rPr lang="en-US" smtClean="0"/>
-              <a:t>2/5/2021</a:t>
+              <a:t>4/11/2021</a:t>
             </a:fld>
             <a:endParaRPr lang="en-US" dirty="0"/>
           </a:p>
@@ -2730,7 +2746,7 @@
           <a:p>
             <a:fld id="{39667345-2558-425A-8533-9BFDBCE15005}" type="datetime1">
               <a:rPr lang="en-US" smtClean="0"/>
-              <a:t>2/5/2021</a:t>
+              <a:t>4/11/2021</a:t>
             </a:fld>
             <a:endParaRPr lang="en-US" dirty="0"/>
           </a:p>
@@ -3059,7 +3075,7 @@
           <a:p>
             <a:fld id="{92BEA474-078D-4E9B-9B14-09A87B19DC46}" type="datetime1">
               <a:rPr lang="en-US" smtClean="0"/>
-              <a:t>2/5/2021</a:t>
+              <a:t>4/11/2021</a:t>
             </a:fld>
             <a:endParaRPr lang="en-US" dirty="0"/>
           </a:p>
@@ -3409,7 +3425,7 @@
           <a:p>
             <a:fld id="{4907D986-8816-4272-A432-0437A28A9828}" type="datetime1">
               <a:rPr lang="en-US" smtClean="0"/>
-              <a:t>2/5/2021</a:t>
+              <a:t>4/11/2021</a:t>
             </a:fld>
             <a:endParaRPr lang="en-US" dirty="0"/>
           </a:p>
@@ -3670,7 +3686,7 @@
           <a:p>
             <a:fld id="{62D6E202-B606-4609-B914-27C9371A1F6D}" type="datetime1">
               <a:rPr lang="en-US" smtClean="0"/>
-              <a:t>2/5/2021</a:t>
+              <a:t>4/11/2021</a:t>
             </a:fld>
             <a:endParaRPr lang="en-US" dirty="0"/>
           </a:p>
@@ -4455,7 +4471,7 @@
                   <a:schemeClr val="tx1"/>
                 </a:solidFill>
               </a:rPr>
-              <a:t>Used Car Sales</a:t>
+              <a:t>Factors Affecting Car Prices</a:t>
             </a:r>
             <a:br>
               <a:rPr lang="en-US" sz="4400" dirty="0">
@@ -9020,6 +9036,24 @@
 </file>
 
 <file path=customXml/item1.xml><?xml version="1.0" encoding="utf-8"?>
+<p:properties xmlns:p="http://schemas.microsoft.com/office/2006/metadata/properties" xmlns:xsi="http://www.w3.org/2001/XMLSchema-instance" xmlns:pc="http://schemas.microsoft.com/office/infopath/2007/PartnerControls">
+  <documentManagement>
+    <Status xmlns="71af3243-3dd4-4a8d-8c0d-dd76da1f02a5">Not started</Status>
+    <MediaServiceKeyPoints xmlns="71af3243-3dd4-4a8d-8c0d-dd76da1f02a5" xsi:nil="true"/>
+  </documentManagement>
+</p:properties>
+</file>
+
+<file path=customXml/item2.xml><?xml version="1.0" encoding="utf-8"?>
+<?mso-contentType ?>
+<FormTemplates xmlns="http://schemas.microsoft.com/sharepoint/v3/contenttype/forms">
+  <Display>DocumentLibraryForm</Display>
+  <Edit>DocumentLibraryForm</Edit>
+  <New>DocumentLibraryForm</New>
+</FormTemplates>
+</file>
+
+<file path=customXml/item3.xml><?xml version="1.0" encoding="utf-8"?>
 <ct:contentTypeSchema xmlns:ct="http://schemas.microsoft.com/office/2006/metadata/contentType" xmlns:ma="http://schemas.microsoft.com/office/2006/metadata/properties/metaAttributes" ct:_="" ma:_="" ma:contentTypeName="Document" ma:contentTypeID="0x01010079F111ED35F8CC479449609E8A0923A6" ma:contentTypeVersion="12" ma:contentTypeDescription="Create a new document." ma:contentTypeScope="" ma:versionID="a410dd7f93c95333ffa1b60ed6adedd1">
   <xsd:schema xmlns:xsd="http://www.w3.org/2001/XMLSchema" xmlns:xs="http://www.w3.org/2001/XMLSchema" xmlns:p="http://schemas.microsoft.com/office/2006/metadata/properties" xmlns:ns2="71af3243-3dd4-4a8d-8c0d-dd76da1f02a5" xmlns:ns3="16c05727-aa75-4e4a-9b5f-8a80a1165891" targetNamespace="http://schemas.microsoft.com/office/2006/metadata/properties" ma:root="true" ma:fieldsID="a936d9baba76aa3866493feff160faab" ns2:_="" ns3:_="">
     <xsd:import namespace="71af3243-3dd4-4a8d-8c0d-dd76da1f02a5"/>
@@ -9240,25 +9274,25 @@
 </ct:contentTypeSchema>
 </file>
 
-<file path=customXml/item2.xml><?xml version="1.0" encoding="utf-8"?>
-<?mso-contentType ?>
-<FormTemplates xmlns="http://schemas.microsoft.com/sharepoint/v3/contenttype/forms">
-  <Display>DocumentLibraryForm</Display>
-  <Edit>DocumentLibraryForm</Edit>
-  <New>DocumentLibraryForm</New>
-</FormTemplates>
+<file path=customXml/itemProps1.xml><?xml version="1.0" encoding="utf-8"?>
+<ds:datastoreItem xmlns:ds="http://schemas.openxmlformats.org/officeDocument/2006/customXml" ds:itemID="{A03EEFF0-FB57-4CB4-8BFC-DF397689E2ED}">
+  <ds:schemaRefs>
+    <ds:schemaRef ds:uri="http://schemas.microsoft.com/office/2006/metadata/properties"/>
+    <ds:schemaRef ds:uri="http://schemas.microsoft.com/office/infopath/2007/PartnerControls"/>
+    <ds:schemaRef ds:uri="71af3243-3dd4-4a8d-8c0d-dd76da1f02a5"/>
+  </ds:schemaRefs>
+</ds:datastoreItem>
 </file>
 
-<file path=customXml/item3.xml><?xml version="1.0" encoding="utf-8"?>
-<p:properties xmlns:p="http://schemas.microsoft.com/office/2006/metadata/properties" xmlns:xsi="http://www.w3.org/2001/XMLSchema-instance" xmlns:pc="http://schemas.microsoft.com/office/infopath/2007/PartnerControls">
-  <documentManagement>
-    <Status xmlns="71af3243-3dd4-4a8d-8c0d-dd76da1f02a5">Not started</Status>
-    <MediaServiceKeyPoints xmlns="71af3243-3dd4-4a8d-8c0d-dd76da1f02a5" xsi:nil="true"/>
-  </documentManagement>
-</p:properties>
+<file path=customXml/itemProps2.xml><?xml version="1.0" encoding="utf-8"?>
+<ds:datastoreItem xmlns:ds="http://schemas.openxmlformats.org/officeDocument/2006/customXml" ds:itemID="{AA3F7EDC-E5B4-4BBC-9D2A-CBE6D46C37AD}">
+  <ds:schemaRefs>
+    <ds:schemaRef ds:uri="http://schemas.microsoft.com/sharepoint/v3/contenttype/forms"/>
+  </ds:schemaRefs>
+</ds:datastoreItem>
 </file>
 
-<file path=customXml/itemProps1.xml><?xml version="1.0" encoding="utf-8"?>
+<file path=customXml/itemProps3.xml><?xml version="1.0" encoding="utf-8"?>
 <ds:datastoreItem xmlns:ds="http://schemas.openxmlformats.org/officeDocument/2006/customXml" ds:itemID="{93932EF5-314F-409E-8020-FEE5FA0795B9}">
   <ds:schemaRefs>
     <ds:schemaRef ds:uri="http://schemas.microsoft.com/office/2006/metadata/contentType"/>
@@ -9275,22 +9309,4 @@
     <ds:schemaRef ds:uri="http://schemas.microsoft.com/internal/obd"/>
   </ds:schemaRefs>
 </ds:datastoreItem>
-</file>
-
-<file path=customXml/itemProps2.xml><?xml version="1.0" encoding="utf-8"?>
-<ds:datastoreItem xmlns:ds="http://schemas.openxmlformats.org/officeDocument/2006/customXml" ds:itemID="{AA3F7EDC-E5B4-4BBC-9D2A-CBE6D46C37AD}">
-  <ds:schemaRefs>
-    <ds:schemaRef ds:uri="http://schemas.microsoft.com/sharepoint/v3/contenttype/forms"/>
-  </ds:schemaRefs>
-</ds:datastoreItem>
-</file>
-
-<file path=customXml/itemProps3.xml><?xml version="1.0" encoding="utf-8"?>
-<ds:datastoreItem xmlns:ds="http://schemas.openxmlformats.org/officeDocument/2006/customXml" ds:itemID="{A03EEFF0-FB57-4CB4-8BFC-DF397689E2ED}">
-  <ds:schemaRefs>
-    <ds:schemaRef ds:uri="http://schemas.microsoft.com/office/2006/metadata/properties"/>
-    <ds:schemaRef ds:uri="http://schemas.microsoft.com/office/infopath/2007/PartnerControls"/>
-    <ds:schemaRef ds:uri="71af3243-3dd4-4a8d-8c0d-dd76da1f02a5"/>
-  </ds:schemaRefs>
-</ds:datastoreItem>
 </file>